--- a/Disease prediction in dl.pptx
+++ b/Disease prediction in dl.pptx
@@ -277,7 +277,7 @@
           <a:p>
             <a:fld id="{1D8BD707-D9CF-40AE-B4C6-C98DA3205C09}" type="datetimeFigureOut">
               <a:rPr lang="en-US"/>
-              <a:t>4/24/2024</a:t>
+              <a:t>5/13/2024</a:t>
             </a:fld>
             <a:endParaRPr lang="en-US"/>
           </a:p>
@@ -457,7 +457,7 @@
           <a:p>
             <a:fld id="{1D8BD707-D9CF-40AE-B4C6-C98DA3205C09}" type="datetimeFigureOut">
               <a:rPr lang="en-US"/>
-              <a:t>4/24/2024</a:t>
+              <a:t>5/13/2024</a:t>
             </a:fld>
             <a:endParaRPr lang="en-US"/>
           </a:p>
@@ -680,7 +680,7 @@
           <a:p>
             <a:fld id="{1D8BD707-D9CF-40AE-B4C6-C98DA3205C09}" type="datetimeFigureOut">
               <a:rPr lang="en-US"/>
-              <a:t>4/24/2024</a:t>
+              <a:t>5/13/2024</a:t>
             </a:fld>
             <a:endParaRPr lang="en-US"/>
           </a:p>
@@ -837,7 +837,7 @@
           <a:p>
             <a:fld id="{1D8BD707-D9CF-40AE-B4C6-C98DA3205C09}" type="datetimeFigureOut">
               <a:rPr lang="en-US"/>
-              <a:t>4/24/2024</a:t>
+              <a:t>5/13/2024</a:t>
             </a:fld>
             <a:endParaRPr lang="en-US"/>
           </a:p>
@@ -965,7 +965,7 @@
           <a:p>
             <a:fld id="{1D8BD707-D9CF-40AE-B4C6-C98DA3205C09}" type="datetimeFigureOut">
               <a:rPr lang="en-US"/>
-              <a:t>4/24/2024</a:t>
+              <a:t>5/13/2024</a:t>
             </a:fld>
             <a:endParaRPr lang="en-US"/>
           </a:p>
@@ -1684,7 +1684,7 @@
           <a:p>
             <a:fld id="{1D8BD707-D9CF-40AE-B4C6-C98DA3205C09}" type="datetimeFigureOut">
               <a:rPr lang="en-US"/>
-              <a:t>4/24/2024</a:t>
+              <a:t>5/13/2024</a:t>
             </a:fld>
             <a:endParaRPr lang="en-US"/>
           </a:p>
@@ -3096,6 +3096,147 @@
           </a:p>
         </p:txBody>
       </p:sp>
+      <p:pic>
+        <p:nvPicPr>
+          <p:cNvPr id="1026" name="Picture 2">
+            <a:extLst>
+              <a:ext uri="{FF2B5EF4-FFF2-40B4-BE49-F238E27FC236}">
+                <a16:creationId xmlns:a16="http://schemas.microsoft.com/office/drawing/2014/main" id="{614D6195-F124-85E1-EF4F-53037E2D2C24}"/>
+              </a:ext>
+            </a:extLst>
+          </p:cNvPr>
+          <p:cNvPicPr>
+            <a:picLocks noChangeAspect="1" noChangeArrowheads="1"/>
+          </p:cNvPicPr>
+          <p:nvPr/>
+        </p:nvPicPr>
+        <p:blipFill>
+          <a:blip r:embed="rId3">
+            <a:extLst>
+              <a:ext uri="{28A0092B-C50C-407E-A947-70E740481C1C}">
+                <a14:useLocalDpi xmlns:a14="http://schemas.microsoft.com/office/drawing/2010/main" val="0"/>
+              </a:ext>
+            </a:extLst>
+          </a:blip>
+          <a:srcRect/>
+          <a:stretch>
+            <a:fillRect/>
+          </a:stretch>
+        </p:blipFill>
+        <p:spPr bwMode="auto">
+          <a:xfrm>
+            <a:off x="609600" y="1695450"/>
+            <a:ext cx="5033963" cy="2748654"/>
+          </a:xfrm>
+          <a:prstGeom prst="rect">
+            <a:avLst/>
+          </a:prstGeom>
+          <a:noFill/>
+          <a:extLst>
+            <a:ext uri="{909E8E84-426E-40DD-AFC4-6F175D3DCCD1}">
+              <a14:hiddenFill xmlns:a14="http://schemas.microsoft.com/office/drawing/2010/main">
+                <a:solidFill>
+                  <a:srgbClr val="FFFFFF"/>
+                </a:solidFill>
+              </a14:hiddenFill>
+            </a:ext>
+          </a:extLst>
+        </p:spPr>
+      </p:pic>
+      <p:pic>
+        <p:nvPicPr>
+          <p:cNvPr id="1030" name="Picture 6">
+            <a:extLst>
+              <a:ext uri="{FF2B5EF4-FFF2-40B4-BE49-F238E27FC236}">
+                <a16:creationId xmlns:a16="http://schemas.microsoft.com/office/drawing/2014/main" id="{E8460B41-2A8A-9CBD-352F-65BC2DEE8A25}"/>
+              </a:ext>
+            </a:extLst>
+          </p:cNvPr>
+          <p:cNvPicPr>
+            <a:picLocks noChangeAspect="1" noChangeArrowheads="1"/>
+          </p:cNvPicPr>
+          <p:nvPr/>
+        </p:nvPicPr>
+        <p:blipFill>
+          <a:blip r:embed="rId4">
+            <a:extLst>
+              <a:ext uri="{28A0092B-C50C-407E-A947-70E740481C1C}">
+                <a14:useLocalDpi xmlns:a14="http://schemas.microsoft.com/office/drawing/2010/main" val="0"/>
+              </a:ext>
+            </a:extLst>
+          </a:blip>
+          <a:srcRect/>
+          <a:stretch>
+            <a:fillRect/>
+          </a:stretch>
+        </p:blipFill>
+        <p:spPr bwMode="auto">
+          <a:xfrm>
+            <a:off x="6497982" y="385444"/>
+            <a:ext cx="3819125" cy="2281556"/>
+          </a:xfrm>
+          <a:prstGeom prst="rect">
+            <a:avLst/>
+          </a:prstGeom>
+          <a:noFill/>
+          <a:extLst>
+            <a:ext uri="{909E8E84-426E-40DD-AFC4-6F175D3DCCD1}">
+              <a14:hiddenFill xmlns:a14="http://schemas.microsoft.com/office/drawing/2010/main">
+                <a:solidFill>
+                  <a:srgbClr val="FFFFFF"/>
+                </a:solidFill>
+              </a14:hiddenFill>
+            </a:ext>
+          </a:extLst>
+        </p:spPr>
+      </p:pic>
+      <p:pic>
+        <p:nvPicPr>
+          <p:cNvPr id="1032" name="Picture 8">
+            <a:extLst>
+              <a:ext uri="{FF2B5EF4-FFF2-40B4-BE49-F238E27FC236}">
+                <a16:creationId xmlns:a16="http://schemas.microsoft.com/office/drawing/2014/main" id="{DFD3D086-B803-0D4A-5478-41E266D9A014}"/>
+              </a:ext>
+            </a:extLst>
+          </p:cNvPr>
+          <p:cNvPicPr>
+            <a:picLocks noChangeAspect="1" noChangeArrowheads="1"/>
+          </p:cNvPicPr>
+          <p:nvPr/>
+        </p:nvPicPr>
+        <p:blipFill>
+          <a:blip r:embed="rId5">
+            <a:extLst>
+              <a:ext uri="{28A0092B-C50C-407E-A947-70E740481C1C}">
+                <a14:useLocalDpi xmlns:a14="http://schemas.microsoft.com/office/drawing/2010/main" val="0"/>
+              </a:ext>
+            </a:extLst>
+          </a:blip>
+          <a:srcRect/>
+          <a:stretch>
+            <a:fillRect/>
+          </a:stretch>
+        </p:blipFill>
+        <p:spPr bwMode="auto">
+          <a:xfrm>
+            <a:off x="6409089" y="3165188"/>
+            <a:ext cx="4001545" cy="3330276"/>
+          </a:xfrm>
+          <a:prstGeom prst="rect">
+            <a:avLst/>
+          </a:prstGeom>
+          <a:noFill/>
+          <a:extLst>
+            <a:ext uri="{909E8E84-426E-40DD-AFC4-6F175D3DCCD1}">
+              <a14:hiddenFill xmlns:a14="http://schemas.microsoft.com/office/drawing/2010/main">
+                <a:solidFill>
+                  <a:srgbClr val="FFFFFF"/>
+                </a:solidFill>
+              </a14:hiddenFill>
+            </a:ext>
+          </a:extLst>
+        </p:spPr>
+      </p:pic>
     </p:spTree>
   </p:cSld>
   <p:clrMapOvr>
